--- a/assignment 2.pptx
+++ b/assignment 2.pptx
@@ -6,6 +6,7 @@
   </p:sldMasterIdLst>
   <p:sldIdLst>
     <p:sldId id="256" r:id="rId2"/>
+    <p:sldId id="257" r:id="rId3"/>
   </p:sldIdLst>
   <p:sldSz cx="12192000" cy="6858000"/>
   <p:notesSz cx="6858000" cy="9144000"/>
@@ -261,7 +262,7 @@
           <a:p>
             <a:fld id="{3185ED53-2A88-40F6-83B6-E23633109958}" type="datetimeFigureOut">
               <a:rPr lang="nl-NL" smtClean="0"/>
-              <a:t>22-4-2025</a:t>
+              <a:t>23-4-2025</a:t>
             </a:fld>
             <a:endParaRPr lang="nl-NL"/>
           </a:p>
@@ -461,7 +462,7 @@
           <a:p>
             <a:fld id="{3185ED53-2A88-40F6-83B6-E23633109958}" type="datetimeFigureOut">
               <a:rPr lang="nl-NL" smtClean="0"/>
-              <a:t>22-4-2025</a:t>
+              <a:t>23-4-2025</a:t>
             </a:fld>
             <a:endParaRPr lang="nl-NL"/>
           </a:p>
@@ -671,7 +672,7 @@
           <a:p>
             <a:fld id="{3185ED53-2A88-40F6-83B6-E23633109958}" type="datetimeFigureOut">
               <a:rPr lang="nl-NL" smtClean="0"/>
-              <a:t>22-4-2025</a:t>
+              <a:t>23-4-2025</a:t>
             </a:fld>
             <a:endParaRPr lang="nl-NL"/>
           </a:p>
@@ -871,7 +872,7 @@
           <a:p>
             <a:fld id="{3185ED53-2A88-40F6-83B6-E23633109958}" type="datetimeFigureOut">
               <a:rPr lang="nl-NL" smtClean="0"/>
-              <a:t>22-4-2025</a:t>
+              <a:t>23-4-2025</a:t>
             </a:fld>
             <a:endParaRPr lang="nl-NL"/>
           </a:p>
@@ -1147,7 +1148,7 @@
           <a:p>
             <a:fld id="{3185ED53-2A88-40F6-83B6-E23633109958}" type="datetimeFigureOut">
               <a:rPr lang="nl-NL" smtClean="0"/>
-              <a:t>22-4-2025</a:t>
+              <a:t>23-4-2025</a:t>
             </a:fld>
             <a:endParaRPr lang="nl-NL"/>
           </a:p>
@@ -1415,7 +1416,7 @@
           <a:p>
             <a:fld id="{3185ED53-2A88-40F6-83B6-E23633109958}" type="datetimeFigureOut">
               <a:rPr lang="nl-NL" smtClean="0"/>
-              <a:t>22-4-2025</a:t>
+              <a:t>23-4-2025</a:t>
             </a:fld>
             <a:endParaRPr lang="nl-NL"/>
           </a:p>
@@ -1830,7 +1831,7 @@
           <a:p>
             <a:fld id="{3185ED53-2A88-40F6-83B6-E23633109958}" type="datetimeFigureOut">
               <a:rPr lang="nl-NL" smtClean="0"/>
-              <a:t>22-4-2025</a:t>
+              <a:t>23-4-2025</a:t>
             </a:fld>
             <a:endParaRPr lang="nl-NL"/>
           </a:p>
@@ -1972,7 +1973,7 @@
           <a:p>
             <a:fld id="{3185ED53-2A88-40F6-83B6-E23633109958}" type="datetimeFigureOut">
               <a:rPr lang="nl-NL" smtClean="0"/>
-              <a:t>22-4-2025</a:t>
+              <a:t>23-4-2025</a:t>
             </a:fld>
             <a:endParaRPr lang="nl-NL"/>
           </a:p>
@@ -2085,7 +2086,7 @@
           <a:p>
             <a:fld id="{3185ED53-2A88-40F6-83B6-E23633109958}" type="datetimeFigureOut">
               <a:rPr lang="nl-NL" smtClean="0"/>
-              <a:t>22-4-2025</a:t>
+              <a:t>23-4-2025</a:t>
             </a:fld>
             <a:endParaRPr lang="nl-NL"/>
           </a:p>
@@ -2398,7 +2399,7 @@
           <a:p>
             <a:fld id="{3185ED53-2A88-40F6-83B6-E23633109958}" type="datetimeFigureOut">
               <a:rPr lang="nl-NL" smtClean="0"/>
-              <a:t>22-4-2025</a:t>
+              <a:t>23-4-2025</a:t>
             </a:fld>
             <a:endParaRPr lang="nl-NL"/>
           </a:p>
@@ -2687,7 +2688,7 @@
           <a:p>
             <a:fld id="{3185ED53-2A88-40F6-83B6-E23633109958}" type="datetimeFigureOut">
               <a:rPr lang="nl-NL" smtClean="0"/>
-              <a:t>22-4-2025</a:t>
+              <a:t>23-4-2025</a:t>
             </a:fld>
             <a:endParaRPr lang="nl-NL"/>
           </a:p>
@@ -2930,7 +2931,7 @@
           <a:p>
             <a:fld id="{3185ED53-2A88-40F6-83B6-E23633109958}" type="datetimeFigureOut">
               <a:rPr lang="nl-NL" smtClean="0"/>
-              <a:t>22-4-2025</a:t>
+              <a:t>23-4-2025</a:t>
             </a:fld>
             <a:endParaRPr lang="nl-NL"/>
           </a:p>
@@ -3423,6 +3424,408 @@
     <p:extLst>
       <p:ext uri="{BB962C8B-B14F-4D97-AF65-F5344CB8AC3E}">
         <p14:creationId xmlns:p14="http://schemas.microsoft.com/office/powerpoint/2010/main" val="3079659099"/>
+      </p:ext>
+    </p:extLst>
+  </p:cSld>
+  <p:clrMapOvr>
+    <a:masterClrMapping/>
+  </p:clrMapOvr>
+</p:sld>
+</file>
+
+<file path=ppt/slides/slide2.xml><?xml version="1.0" encoding="utf-8"?>
+<p:sld xmlns:a="http://schemas.openxmlformats.org/drawingml/2006/main" xmlns:r="http://schemas.openxmlformats.org/officeDocument/2006/relationships" xmlns:p="http://schemas.openxmlformats.org/presentationml/2006/main">
+  <p:cSld>
+    <p:bg>
+      <p:bgPr>
+        <a:solidFill>
+          <a:schemeClr val="bg1"/>
+        </a:solidFill>
+        <a:effectLst/>
+      </p:bgPr>
+    </p:bg>
+    <p:spTree>
+      <p:nvGrpSpPr>
+        <p:cNvPr id="1" name=""/>
+        <p:cNvGrpSpPr/>
+        <p:nvPr/>
+      </p:nvGrpSpPr>
+      <p:grpSpPr>
+        <a:xfrm>
+          <a:off x="0" y="0"/>
+          <a:ext cx="0" cy="0"/>
+          <a:chOff x="0" y="0"/>
+          <a:chExt cx="0" cy="0"/>
+        </a:xfrm>
+      </p:grpSpPr>
+      <p:sp useBgFill="1">
+        <p:nvSpPr>
+          <p:cNvPr id="9" name="Slide Background">
+            <a:extLst>
+              <a:ext uri="{FF2B5EF4-FFF2-40B4-BE49-F238E27FC236}">
+                <a16:creationId xmlns:a16="http://schemas.microsoft.com/office/drawing/2014/main" id="{C0763A76-9F1C-4FC5-82B7-DD475DA461B2}"/>
+              </a:ext>
+              <a:ext uri="{C183D7F6-B498-43B3-948B-1728B52AA6E4}">
+                <adec:decorative xmlns:adec="http://schemas.microsoft.com/office/drawing/2017/decorative" val="1"/>
+              </a:ext>
+            </a:extLst>
+          </p:cNvPr>
+          <p:cNvSpPr>
+            <a:spLocks noGrp="1" noRot="1" noChangeAspect="1" noMove="1" noResize="1" noEditPoints="1" noAdjustHandles="1" noChangeArrowheads="1" noChangeShapeType="1" noTextEdit="1"/>
+          </p:cNvSpPr>
+          <p:nvPr>
+            <p:extLst>
+              <p:ext uri="{386F3935-93C4-4BCD-93E2-E3B085C9AB24}">
+                <p16:designElem xmlns:p16="http://schemas.microsoft.com/office/powerpoint/2015/main" val="1"/>
+              </p:ext>
+            </p:extLst>
+          </p:nvPr>
+        </p:nvSpPr>
+        <p:spPr bwMode="white">
+          <a:xfrm>
+            <a:off x="-1" y="0"/>
+            <a:ext cx="12191999" cy="6858000"/>
+          </a:xfrm>
+          <a:prstGeom prst="rect">
+            <a:avLst/>
+          </a:prstGeom>
+          <a:ln>
+            <a:noFill/>
+          </a:ln>
+        </p:spPr>
+        <p:style>
+          <a:lnRef idx="2">
+            <a:schemeClr val="accent1">
+              <a:shade val="50000"/>
+            </a:schemeClr>
+          </a:lnRef>
+          <a:fillRef idx="1">
+            <a:schemeClr val="accent1"/>
+          </a:fillRef>
+          <a:effectRef idx="0">
+            <a:schemeClr val="accent1"/>
+          </a:effectRef>
+          <a:fontRef idx="minor">
+            <a:schemeClr val="lt1"/>
+          </a:fontRef>
+        </p:style>
+        <p:txBody>
+          <a:bodyPr rtlCol="0" anchor="ctr"/>
+          <a:lstStyle>
+            <a:defPPr>
+              <a:defRPr lang="en-US"/>
+            </a:defPPr>
+            <a:lvl1pPr marL="0" algn="l" defTabSz="914400" rtl="0" eaLnBrk="1" latinLnBrk="0" hangingPunct="1">
+              <a:defRPr sz="1800" kern="1200">
+                <a:solidFill>
+                  <a:schemeClr val="lt1"/>
+                </a:solidFill>
+                <a:latin typeface="+mn-lt"/>
+                <a:ea typeface="+mn-ea"/>
+                <a:cs typeface="+mn-cs"/>
+              </a:defRPr>
+            </a:lvl1pPr>
+            <a:lvl2pPr marL="457200" algn="l" defTabSz="914400" rtl="0" eaLnBrk="1" latinLnBrk="0" hangingPunct="1">
+              <a:defRPr sz="1800" kern="1200">
+                <a:solidFill>
+                  <a:schemeClr val="lt1"/>
+                </a:solidFill>
+                <a:latin typeface="+mn-lt"/>
+                <a:ea typeface="+mn-ea"/>
+                <a:cs typeface="+mn-cs"/>
+              </a:defRPr>
+            </a:lvl2pPr>
+            <a:lvl3pPr marL="914400" algn="l" defTabSz="914400" rtl="0" eaLnBrk="1" latinLnBrk="0" hangingPunct="1">
+              <a:defRPr sz="1800" kern="1200">
+                <a:solidFill>
+                  <a:schemeClr val="lt1"/>
+                </a:solidFill>
+                <a:latin typeface="+mn-lt"/>
+                <a:ea typeface="+mn-ea"/>
+                <a:cs typeface="+mn-cs"/>
+              </a:defRPr>
+            </a:lvl3pPr>
+            <a:lvl4pPr marL="1371600" algn="l" defTabSz="914400" rtl="0" eaLnBrk="1" latinLnBrk="0" hangingPunct="1">
+              <a:defRPr sz="1800" kern="1200">
+                <a:solidFill>
+                  <a:schemeClr val="lt1"/>
+                </a:solidFill>
+                <a:latin typeface="+mn-lt"/>
+                <a:ea typeface="+mn-ea"/>
+                <a:cs typeface="+mn-cs"/>
+              </a:defRPr>
+            </a:lvl4pPr>
+            <a:lvl5pPr marL="1828800" algn="l" defTabSz="914400" rtl="0" eaLnBrk="1" latinLnBrk="0" hangingPunct="1">
+              <a:defRPr sz="1800" kern="1200">
+                <a:solidFill>
+                  <a:schemeClr val="lt1"/>
+                </a:solidFill>
+                <a:latin typeface="+mn-lt"/>
+                <a:ea typeface="+mn-ea"/>
+                <a:cs typeface="+mn-cs"/>
+              </a:defRPr>
+            </a:lvl5pPr>
+            <a:lvl6pPr marL="2286000" algn="l" defTabSz="914400" rtl="0" eaLnBrk="1" latinLnBrk="0" hangingPunct="1">
+              <a:defRPr sz="1800" kern="1200">
+                <a:solidFill>
+                  <a:schemeClr val="lt1"/>
+                </a:solidFill>
+                <a:latin typeface="+mn-lt"/>
+                <a:ea typeface="+mn-ea"/>
+                <a:cs typeface="+mn-cs"/>
+              </a:defRPr>
+            </a:lvl6pPr>
+            <a:lvl7pPr marL="2743200" algn="l" defTabSz="914400" rtl="0" eaLnBrk="1" latinLnBrk="0" hangingPunct="1">
+              <a:defRPr sz="1800" kern="1200">
+                <a:solidFill>
+                  <a:schemeClr val="lt1"/>
+                </a:solidFill>
+                <a:latin typeface="+mn-lt"/>
+                <a:ea typeface="+mn-ea"/>
+                <a:cs typeface="+mn-cs"/>
+              </a:defRPr>
+            </a:lvl7pPr>
+            <a:lvl8pPr marL="3200400" algn="l" defTabSz="914400" rtl="0" eaLnBrk="1" latinLnBrk="0" hangingPunct="1">
+              <a:defRPr sz="1800" kern="1200">
+                <a:solidFill>
+                  <a:schemeClr val="lt1"/>
+                </a:solidFill>
+                <a:latin typeface="+mn-lt"/>
+                <a:ea typeface="+mn-ea"/>
+                <a:cs typeface="+mn-cs"/>
+              </a:defRPr>
+            </a:lvl8pPr>
+            <a:lvl9pPr marL="3657600" algn="l" defTabSz="914400" rtl="0" eaLnBrk="1" latinLnBrk="0" hangingPunct="1">
+              <a:defRPr sz="1800" kern="1200">
+                <a:solidFill>
+                  <a:schemeClr val="lt1"/>
+                </a:solidFill>
+                <a:latin typeface="+mn-lt"/>
+                <a:ea typeface="+mn-ea"/>
+                <a:cs typeface="+mn-cs"/>
+              </a:defRPr>
+            </a:lvl9pPr>
+          </a:lstStyle>
+          <a:p>
+            <a:pPr algn="ctr"/>
+            <a:endParaRPr lang="en-US"/>
+          </a:p>
+        </p:txBody>
+      </p:sp>
+      <p:sp useBgFill="1">
+        <p:nvSpPr>
+          <p:cNvPr id="11" name="Rectangle 10">
+            <a:extLst>
+              <a:ext uri="{FF2B5EF4-FFF2-40B4-BE49-F238E27FC236}">
+                <a16:creationId xmlns:a16="http://schemas.microsoft.com/office/drawing/2014/main" id="{E81BF4F6-F2CF-4984-9D14-D6966D92F99F}"/>
+              </a:ext>
+              <a:ext uri="{C183D7F6-B498-43B3-948B-1728B52AA6E4}">
+                <adec:decorative xmlns:adec="http://schemas.microsoft.com/office/drawing/2017/decorative" val="1"/>
+              </a:ext>
+            </a:extLst>
+          </p:cNvPr>
+          <p:cNvSpPr>
+            <a:spLocks noGrp="1" noRot="1" noChangeAspect="1" noMove="1" noResize="1" noEditPoints="1" noAdjustHandles="1" noChangeArrowheads="1" noChangeShapeType="1" noTextEdit="1"/>
+          </p:cNvSpPr>
+          <p:nvPr>
+            <p:extLst>
+              <p:ext uri="{386F3935-93C4-4BCD-93E2-E3B085C9AB24}">
+                <p16:designElem xmlns:p16="http://schemas.microsoft.com/office/powerpoint/2015/main" val="1"/>
+              </p:ext>
+            </p:extLst>
+          </p:nvPr>
+        </p:nvSpPr>
+        <p:spPr>
+          <a:xfrm>
+            <a:off x="1" y="0"/>
+            <a:ext cx="8522446" cy="2285999"/>
+          </a:xfrm>
+          <a:prstGeom prst="rect">
+            <a:avLst/>
+          </a:prstGeom>
+          <a:ln>
+            <a:noFill/>
+          </a:ln>
+          <a:effectLst>
+            <a:outerShdw blurRad="596900" dist="304800" dir="7140000" sx="90000" sy="90000" algn="t" rotWithShape="0">
+              <a:srgbClr val="000000">
+                <a:alpha val="15000"/>
+              </a:srgbClr>
+            </a:outerShdw>
+          </a:effectLst>
+        </p:spPr>
+        <p:style>
+          <a:lnRef idx="2">
+            <a:schemeClr val="accent1">
+              <a:shade val="50000"/>
+            </a:schemeClr>
+          </a:lnRef>
+          <a:fillRef idx="1">
+            <a:schemeClr val="accent1"/>
+          </a:fillRef>
+          <a:effectRef idx="0">
+            <a:schemeClr val="accent1"/>
+          </a:effectRef>
+          <a:fontRef idx="minor">
+            <a:schemeClr val="lt1"/>
+          </a:fontRef>
+        </p:style>
+        <p:txBody>
+          <a:bodyPr rtlCol="0" anchor="ctr"/>
+          <a:lstStyle/>
+          <a:p>
+            <a:pPr algn="ctr"/>
+            <a:endParaRPr lang="en-US"/>
+          </a:p>
+        </p:txBody>
+      </p:sp>
+      <p:sp>
+        <p:nvSpPr>
+          <p:cNvPr id="2" name="Title 1">
+            <a:extLst>
+              <a:ext uri="{FF2B5EF4-FFF2-40B4-BE49-F238E27FC236}">
+                <a16:creationId xmlns:a16="http://schemas.microsoft.com/office/drawing/2014/main" id="{1AC99A28-6D35-46D4-8278-426E85498CFB}"/>
+              </a:ext>
+            </a:extLst>
+          </p:cNvPr>
+          <p:cNvSpPr>
+            <a:spLocks noGrp="1"/>
+          </p:cNvSpPr>
+          <p:nvPr>
+            <p:ph type="title"/>
+          </p:nvPr>
+        </p:nvSpPr>
+        <p:spPr>
+          <a:xfrm>
+            <a:off x="761803" y="350196"/>
+            <a:ext cx="4646904" cy="1624520"/>
+          </a:xfrm>
+        </p:spPr>
+        <p:txBody>
+          <a:bodyPr anchor="ctr">
+            <a:normAutofit/>
+          </a:bodyPr>
+          <a:lstStyle/>
+          <a:p>
+            <a:r>
+              <a:rPr lang="en-GB" sz="3700"/>
+              <a:t>What are the most popular data science tools?</a:t>
+            </a:r>
+            <a:endParaRPr lang="en-NL" sz="3700"/>
+          </a:p>
+        </p:txBody>
+      </p:sp>
+      <p:sp>
+        <p:nvSpPr>
+          <p:cNvPr id="3" name="Content Placeholder 2">
+            <a:extLst>
+              <a:ext uri="{FF2B5EF4-FFF2-40B4-BE49-F238E27FC236}">
+                <a16:creationId xmlns:a16="http://schemas.microsoft.com/office/drawing/2014/main" id="{96450582-C623-5285-F317-7AD306E97BC9}"/>
+              </a:ext>
+            </a:extLst>
+          </p:cNvPr>
+          <p:cNvSpPr>
+            <a:spLocks noGrp="1"/>
+          </p:cNvSpPr>
+          <p:nvPr>
+            <p:ph idx="1"/>
+          </p:nvPr>
+        </p:nvSpPr>
+        <p:spPr>
+          <a:xfrm>
+            <a:off x="761802" y="2743200"/>
+            <a:ext cx="4646905" cy="3613149"/>
+          </a:xfrm>
+        </p:spPr>
+        <p:txBody>
+          <a:bodyPr anchor="ctr">
+            <a:normAutofit/>
+          </a:bodyPr>
+          <a:lstStyle/>
+          <a:p>
+            <a:r>
+              <a:rPr lang="nl-NL" sz="2000" dirty="0"/>
+              <a:t>Talen:</a:t>
+            </a:r>
+          </a:p>
+          <a:p>
+            <a:pPr lvl="1"/>
+            <a:r>
+              <a:rPr lang="nl-NL" sz="2000" dirty="0"/>
+              <a:t>Python with Jupyter Noteboo</a:t>
+            </a:r>
+          </a:p>
+          <a:p>
+            <a:pPr lvl="1"/>
+            <a:r>
+              <a:rPr lang="nl-NL" sz="2000" dirty="0"/>
+              <a:t>Julia</a:t>
+            </a:r>
+          </a:p>
+          <a:p>
+            <a:r>
+              <a:rPr lang="nl-NL" sz="2000" dirty="0"/>
+              <a:t>Tools:</a:t>
+            </a:r>
+          </a:p>
+          <a:p>
+            <a:pPr lvl="1"/>
+            <a:r>
+              <a:rPr lang="pt-BR" sz="2000" dirty="0"/>
+              <a:t>Anaconda, PyCharm, Cursor, Visual Composer</a:t>
+            </a:r>
+            <a:endParaRPr lang="nl-NL" sz="2000" dirty="0"/>
+          </a:p>
+          <a:p>
+            <a:pPr lvl="1"/>
+            <a:r>
+              <a:rPr lang="en-GB" sz="2000" dirty="0"/>
+              <a:t>SAS</a:t>
+            </a:r>
+          </a:p>
+          <a:p>
+            <a:pPr lvl="1"/>
+            <a:r>
+              <a:rPr lang="en-GB" sz="2000" dirty="0"/>
+              <a:t>SPSS</a:t>
+            </a:r>
+            <a:endParaRPr lang="en-NL" sz="2000" dirty="0"/>
+          </a:p>
+        </p:txBody>
+      </p:sp>
+      <p:pic>
+        <p:nvPicPr>
+          <p:cNvPr id="5" name="Picture 4" descr="Corn snake in front of black background">
+            <a:extLst>
+              <a:ext uri="{FF2B5EF4-FFF2-40B4-BE49-F238E27FC236}">
+                <a16:creationId xmlns:a16="http://schemas.microsoft.com/office/drawing/2014/main" id="{D645256E-B5E9-CAB4-F11A-F6EB726BE462}"/>
+              </a:ext>
+            </a:extLst>
+          </p:cNvPr>
+          <p:cNvPicPr>
+            <a:picLocks noChangeAspect="1"/>
+          </p:cNvPicPr>
+          <p:nvPr/>
+        </p:nvPicPr>
+        <p:blipFill>
+          <a:blip r:embed="rId2"/>
+          <a:srcRect l="22222" r="18377" b="-2"/>
+          <a:stretch/>
+        </p:blipFill>
+        <p:spPr>
+          <a:xfrm>
+            <a:off x="6096000" y="1"/>
+            <a:ext cx="6102825" cy="6858000"/>
+          </a:xfrm>
+          <a:prstGeom prst="rect">
+            <a:avLst/>
+          </a:prstGeom>
+        </p:spPr>
+      </p:pic>
+    </p:spTree>
+    <p:extLst>
+      <p:ext uri="{BB962C8B-B14F-4D97-AF65-F5344CB8AC3E}">
+        <p14:creationId xmlns:p14="http://schemas.microsoft.com/office/powerpoint/2010/main" val="1504389678"/>
       </p:ext>
     </p:extLst>
   </p:cSld>
